--- a/matlab_impl/docs/LT-MSER.pptx
+++ b/matlab_impl/docs/LT-MSER.pptx
@@ -293,7 +293,7 @@
           <a:p>
             <a:fld id="{23E1EA87-FB8E-447B-B534-548CA7D1A876}" type="datetimeFigureOut">
               <a:rPr lang="en-US" smtClean="0"/>
-              <a:t>1/24/2013</a:t>
+              <a:t>8/20/2013</a:t>
             </a:fld>
             <a:endParaRPr lang="en-US"/>
           </a:p>
@@ -463,7 +463,7 @@
           <a:p>
             <a:fld id="{23E1EA87-FB8E-447B-B534-548CA7D1A876}" type="datetimeFigureOut">
               <a:rPr lang="en-US" smtClean="0"/>
-              <a:t>1/24/2013</a:t>
+              <a:t>8/20/2013</a:t>
             </a:fld>
             <a:endParaRPr lang="en-US"/>
           </a:p>
@@ -643,7 +643,7 @@
           <a:p>
             <a:fld id="{23E1EA87-FB8E-447B-B534-548CA7D1A876}" type="datetimeFigureOut">
               <a:rPr lang="en-US" smtClean="0"/>
-              <a:t>1/24/2013</a:t>
+              <a:t>8/20/2013</a:t>
             </a:fld>
             <a:endParaRPr lang="en-US"/>
           </a:p>
@@ -813,7 +813,7 @@
           <a:p>
             <a:fld id="{23E1EA87-FB8E-447B-B534-548CA7D1A876}" type="datetimeFigureOut">
               <a:rPr lang="en-US" smtClean="0"/>
-              <a:t>1/24/2013</a:t>
+              <a:t>8/20/2013</a:t>
             </a:fld>
             <a:endParaRPr lang="en-US"/>
           </a:p>
@@ -1059,7 +1059,7 @@
           <a:p>
             <a:fld id="{23E1EA87-FB8E-447B-B534-548CA7D1A876}" type="datetimeFigureOut">
               <a:rPr lang="en-US" smtClean="0"/>
-              <a:t>1/24/2013</a:t>
+              <a:t>8/20/2013</a:t>
             </a:fld>
             <a:endParaRPr lang="en-US"/>
           </a:p>
@@ -1347,7 +1347,7 @@
           <a:p>
             <a:fld id="{23E1EA87-FB8E-447B-B534-548CA7D1A876}" type="datetimeFigureOut">
               <a:rPr lang="en-US" smtClean="0"/>
-              <a:t>1/24/2013</a:t>
+              <a:t>8/20/2013</a:t>
             </a:fld>
             <a:endParaRPr lang="en-US"/>
           </a:p>
@@ -1769,7 +1769,7 @@
           <a:p>
             <a:fld id="{23E1EA87-FB8E-447B-B534-548CA7D1A876}" type="datetimeFigureOut">
               <a:rPr lang="en-US" smtClean="0"/>
-              <a:t>1/24/2013</a:t>
+              <a:t>8/20/2013</a:t>
             </a:fld>
             <a:endParaRPr lang="en-US"/>
           </a:p>
@@ -1887,7 +1887,7 @@
           <a:p>
             <a:fld id="{23E1EA87-FB8E-447B-B534-548CA7D1A876}" type="datetimeFigureOut">
               <a:rPr lang="en-US" smtClean="0"/>
-              <a:t>1/24/2013</a:t>
+              <a:t>8/20/2013</a:t>
             </a:fld>
             <a:endParaRPr lang="en-US"/>
           </a:p>
@@ -1982,7 +1982,7 @@
           <a:p>
             <a:fld id="{23E1EA87-FB8E-447B-B534-548CA7D1A876}" type="datetimeFigureOut">
               <a:rPr lang="en-US" smtClean="0"/>
-              <a:t>1/24/2013</a:t>
+              <a:t>8/20/2013</a:t>
             </a:fld>
             <a:endParaRPr lang="en-US"/>
           </a:p>
@@ -2259,7 +2259,7 @@
           <a:p>
             <a:fld id="{23E1EA87-FB8E-447B-B534-548CA7D1A876}" type="datetimeFigureOut">
               <a:rPr lang="en-US" smtClean="0"/>
-              <a:t>1/24/2013</a:t>
+              <a:t>8/20/2013</a:t>
             </a:fld>
             <a:endParaRPr lang="en-US"/>
           </a:p>
@@ -2512,7 +2512,7 @@
           <a:p>
             <a:fld id="{23E1EA87-FB8E-447B-B534-548CA7D1A876}" type="datetimeFigureOut">
               <a:rPr lang="en-US" smtClean="0"/>
-              <a:t>1/24/2013</a:t>
+              <a:t>8/20/2013</a:t>
             </a:fld>
             <a:endParaRPr lang="en-US"/>
           </a:p>
@@ -2725,7 +2725,7 @@
           <a:p>
             <a:fld id="{23E1EA87-FB8E-447B-B534-548CA7D1A876}" type="datetimeFigureOut">
               <a:rPr lang="en-US" smtClean="0"/>
-              <a:t>1/24/2013</a:t>
+              <a:t>8/20/2013</a:t>
             </a:fld>
             <a:endParaRPr lang="en-US"/>
           </a:p>
@@ -3100,64 +3100,91 @@
           <a:chExt cx="0" cy="0"/>
         </a:xfrm>
       </p:grpSpPr>
-      <p:sp>
-        <p:nvSpPr>
-          <p:cNvPr id="138" name="Rectangle 137"/>
-          <p:cNvSpPr/>
-          <p:nvPr/>
-        </p:nvSpPr>
-        <p:spPr>
-          <a:xfrm>
-            <a:off x="1521142" y="238508"/>
-            <a:ext cx="203651" cy="212416"/>
-          </a:xfrm>
-          <a:prstGeom prst="rect">
-            <a:avLst/>
-          </a:prstGeom>
-          <a:solidFill>
-            <a:schemeClr val="bg1"/>
-          </a:solidFill>
+      <p:pic>
+        <p:nvPicPr>
+          <p:cNvPr id="1026" name="Picture 2"/>
+          <p:cNvPicPr>
+            <a:picLocks noChangeAspect="1" noChangeArrowheads="1"/>
+          </p:cNvPicPr>
+          <p:nvPr/>
+        </p:nvPicPr>
+        <p:blipFill rotWithShape="1">
+          <a:blip r:embed="rId2">
+            <a:extLst>
+              <a:ext uri="{28A0092B-C50C-407E-A947-70E740481C1C}">
+                <a14:useLocalDpi xmlns:a14="http://schemas.microsoft.com/office/drawing/2010/main" val="0"/>
+              </a:ext>
+            </a:extLst>
+          </a:blip>
+          <a:srcRect l="34331" t="26476" r="21497" b="14567"/>
+          <a:stretch/>
+        </p:blipFill>
+        <p:spPr bwMode="auto">
+          <a:xfrm>
+            <a:off x="914400" y="4953000"/>
+            <a:ext cx="7068458" cy="5896429"/>
+          </a:xfrm>
+          <a:prstGeom prst="rect">
+            <a:avLst/>
+          </a:prstGeom>
+          <a:noFill/>
           <a:ln>
-            <a:solidFill>
-              <a:schemeClr val="tx2">
-                <a:lumMod val="20000"/>
-                <a:lumOff val="80000"/>
-              </a:schemeClr>
-            </a:solidFill>
+            <a:noFill/>
           </a:ln>
-        </p:spPr>
-        <p:style>
-          <a:lnRef idx="2">
-            <a:schemeClr val="accent1">
-              <a:shade val="50000"/>
-            </a:schemeClr>
-          </a:lnRef>
-          <a:fillRef idx="1">
-            <a:schemeClr val="accent1"/>
-          </a:fillRef>
-          <a:effectRef idx="0">
-            <a:schemeClr val="accent1"/>
-          </a:effectRef>
-          <a:fontRef idx="minor">
-            <a:schemeClr val="lt1"/>
-          </a:fontRef>
-        </p:style>
-        <p:txBody>
-          <a:bodyPr lIns="0" tIns="0" rIns="0" bIns="0" rtlCol="0" anchor="ctr"/>
-          <a:lstStyle/>
-          <a:p>
-            <a:pPr algn="ctr"/>
-            <a:r>
-              <a:rPr lang="en-US" sz="1000" dirty="0" smtClean="0">
+          <a:extLst>
+            <a:ext uri="{909E8E84-426E-40DD-AFC4-6F175D3DCCD1}">
+              <a14:hiddenFill xmlns:a14="http://schemas.microsoft.com/office/drawing/2010/main">
+                <a:solidFill>
+                  <a:schemeClr val="accent1"/>
+                </a:solidFill>
+              </a14:hiddenFill>
+            </a:ext>
+            <a:ext uri="{91240B29-F687-4F45-9708-019B960494DF}">
+              <a14:hiddenLine xmlns:a14="http://schemas.microsoft.com/office/drawing/2010/main" w="9525">
                 <a:solidFill>
                   <a:schemeClr val="tx1"/>
                 </a:solidFill>
+                <a:miter lim="800000"/>
+                <a:headEnd/>
+                <a:tailEnd/>
+              </a14:hiddenLine>
+            </a:ext>
+          </a:extLst>
+        </p:spPr>
+      </p:pic>
+      <p:sp>
+        <p:nvSpPr>
+          <p:cNvPr id="2" name="文字方塊 1"/>
+          <p:cNvSpPr txBox="1"/>
+          <p:nvPr/>
+        </p:nvSpPr>
+        <p:spPr>
+          <a:xfrm>
+            <a:off x="2362200" y="4691390"/>
+            <a:ext cx="393056" cy="523220"/>
+          </a:xfrm>
+          <a:prstGeom prst="rect">
+            <a:avLst/>
+          </a:prstGeom>
+          <a:noFill/>
+        </p:spPr>
+        <p:txBody>
+          <a:bodyPr wrap="none" rtlCol="0">
+            <a:spAutoFit/>
+          </a:bodyPr>
+          <a:lstStyle/>
+          <a:p>
+            <a:r>
+              <a:rPr lang="en-US" altLang="zh-TW" sz="2800" dirty="0">
+                <a:solidFill>
+                  <a:srgbClr val="FF0000"/>
+                </a:solidFill>
               </a:rPr>
-              <a:t>1</a:t>
-            </a:r>
-            <a:endParaRPr lang="en-US" sz="1000" dirty="0">
-              <a:solidFill>
-                <a:schemeClr val="tx1"/>
+              <a:t>A</a:t>
+            </a:r>
+            <a:endParaRPr lang="zh-TW" altLang="en-US" sz="2800" dirty="0">
+              <a:solidFill>
+                <a:srgbClr val="FF0000"/>
               </a:solidFill>
             </a:endParaRPr>
           </a:p>
@@ -3165,62 +3192,37 @@
       </p:sp>
       <p:sp>
         <p:nvSpPr>
-          <p:cNvPr id="197" name="Rectangle 196"/>
-          <p:cNvSpPr/>
-          <p:nvPr/>
-        </p:nvSpPr>
-        <p:spPr>
-          <a:xfrm>
-            <a:off x="1744980" y="236220"/>
-            <a:ext cx="203651" cy="212416"/>
-          </a:xfrm>
-          <a:prstGeom prst="rect">
-            <a:avLst/>
-          </a:prstGeom>
-          <a:solidFill>
-            <a:schemeClr val="bg1"/>
-          </a:solidFill>
-          <a:ln>
-            <a:solidFill>
-              <a:schemeClr val="tx2">
-                <a:lumMod val="20000"/>
-                <a:lumOff val="80000"/>
-              </a:schemeClr>
-            </a:solidFill>
-          </a:ln>
-        </p:spPr>
-        <p:style>
-          <a:lnRef idx="2">
-            <a:schemeClr val="accent1">
-              <a:shade val="50000"/>
-            </a:schemeClr>
-          </a:lnRef>
-          <a:fillRef idx="1">
-            <a:schemeClr val="accent1"/>
-          </a:fillRef>
-          <a:effectRef idx="0">
-            <a:schemeClr val="accent1"/>
-          </a:effectRef>
-          <a:fontRef idx="minor">
-            <a:schemeClr val="lt1"/>
-          </a:fontRef>
-        </p:style>
-        <p:txBody>
-          <a:bodyPr lIns="0" tIns="0" rIns="0" bIns="0" rtlCol="0" anchor="ctr"/>
-          <a:lstStyle/>
-          <a:p>
-            <a:pPr algn="ctr"/>
-            <a:r>
-              <a:rPr lang="en-US" sz="1000" dirty="0" smtClean="0">
-                <a:solidFill>
-                  <a:schemeClr val="tx1"/>
+          <p:cNvPr id="20" name="文字方塊 19"/>
+          <p:cNvSpPr txBox="1"/>
+          <p:nvPr/>
+        </p:nvSpPr>
+        <p:spPr>
+          <a:xfrm>
+            <a:off x="3810000" y="4687409"/>
+            <a:ext cx="393056" cy="523220"/>
+          </a:xfrm>
+          <a:prstGeom prst="rect">
+            <a:avLst/>
+          </a:prstGeom>
+          <a:noFill/>
+        </p:spPr>
+        <p:txBody>
+          <a:bodyPr wrap="none" rtlCol="0">
+            <a:spAutoFit/>
+          </a:bodyPr>
+          <a:lstStyle/>
+          <a:p>
+            <a:r>
+              <a:rPr lang="en-US" altLang="zh-TW" sz="2800" dirty="0" smtClean="0">
+                <a:solidFill>
+                  <a:srgbClr val="FF0000"/>
                 </a:solidFill>
               </a:rPr>
-              <a:t>1</a:t>
-            </a:r>
-            <a:endParaRPr lang="en-US" sz="1000" dirty="0">
-              <a:solidFill>
-                <a:schemeClr val="tx1"/>
+              <a:t>B</a:t>
+            </a:r>
+            <a:endParaRPr lang="zh-TW" altLang="en-US" sz="2800" dirty="0">
+              <a:solidFill>
+                <a:srgbClr val="FF0000"/>
               </a:solidFill>
             </a:endParaRPr>
           </a:p>
@@ -3228,62 +3230,37 @@
       </p:sp>
       <p:sp>
         <p:nvSpPr>
-          <p:cNvPr id="198" name="Rectangle 197"/>
-          <p:cNvSpPr/>
-          <p:nvPr/>
-        </p:nvSpPr>
-        <p:spPr>
-          <a:xfrm>
-            <a:off x="1524000" y="457200"/>
-            <a:ext cx="203651" cy="212416"/>
-          </a:xfrm>
-          <a:prstGeom prst="rect">
-            <a:avLst/>
-          </a:prstGeom>
-          <a:solidFill>
-            <a:schemeClr val="bg1"/>
-          </a:solidFill>
-          <a:ln>
-            <a:solidFill>
-              <a:schemeClr val="tx2">
-                <a:lumMod val="20000"/>
-                <a:lumOff val="80000"/>
-              </a:schemeClr>
-            </a:solidFill>
-          </a:ln>
-        </p:spPr>
-        <p:style>
-          <a:lnRef idx="2">
-            <a:schemeClr val="accent1">
-              <a:shade val="50000"/>
-            </a:schemeClr>
-          </a:lnRef>
-          <a:fillRef idx="1">
-            <a:schemeClr val="accent1"/>
-          </a:fillRef>
-          <a:effectRef idx="0">
-            <a:schemeClr val="accent1"/>
-          </a:effectRef>
-          <a:fontRef idx="minor">
-            <a:schemeClr val="lt1"/>
-          </a:fontRef>
-        </p:style>
-        <p:txBody>
-          <a:bodyPr lIns="0" tIns="0" rIns="0" bIns="0" rtlCol="0" anchor="ctr"/>
-          <a:lstStyle/>
-          <a:p>
-            <a:pPr algn="ctr"/>
-            <a:r>
-              <a:rPr lang="en-US" sz="1000" dirty="0" smtClean="0">
-                <a:solidFill>
-                  <a:schemeClr val="tx1"/>
+          <p:cNvPr id="21" name="文字方塊 20"/>
+          <p:cNvSpPr txBox="1"/>
+          <p:nvPr/>
+        </p:nvSpPr>
+        <p:spPr>
+          <a:xfrm>
+            <a:off x="5257800" y="4691390"/>
+            <a:ext cx="375424" cy="523220"/>
+          </a:xfrm>
+          <a:prstGeom prst="rect">
+            <a:avLst/>
+          </a:prstGeom>
+          <a:noFill/>
+        </p:spPr>
+        <p:txBody>
+          <a:bodyPr wrap="none" rtlCol="0">
+            <a:spAutoFit/>
+          </a:bodyPr>
+          <a:lstStyle/>
+          <a:p>
+            <a:r>
+              <a:rPr lang="en-US" altLang="zh-TW" sz="2800" dirty="0" smtClean="0">
+                <a:solidFill>
+                  <a:srgbClr val="FF0000"/>
                 </a:solidFill>
               </a:rPr>
-              <a:t>1</a:t>
-            </a:r>
-            <a:endParaRPr lang="en-US" sz="1000" dirty="0">
-              <a:solidFill>
-                <a:schemeClr val="tx1"/>
+              <a:t>C</a:t>
+            </a:r>
+            <a:endParaRPr lang="zh-TW" altLang="en-US" sz="2800" dirty="0">
+              <a:solidFill>
+                <a:srgbClr val="FF0000"/>
               </a:solidFill>
             </a:endParaRPr>
           </a:p>
@@ -3291,61 +3268,37 @@
       </p:sp>
       <p:sp>
         <p:nvSpPr>
-          <p:cNvPr id="199" name="Rectangle 198"/>
-          <p:cNvSpPr/>
-          <p:nvPr/>
-        </p:nvSpPr>
-        <p:spPr>
-          <a:xfrm>
-            <a:off x="1754689" y="465764"/>
-            <a:ext cx="203651" cy="212416"/>
-          </a:xfrm>
-          <a:prstGeom prst="rect">
-            <a:avLst/>
-          </a:prstGeom>
-          <a:solidFill>
-            <a:schemeClr val="bg1"/>
-          </a:solidFill>
-          <a:ln>
-            <a:solidFill>
-              <a:schemeClr val="bg1">
-                <a:lumMod val="95000"/>
-              </a:schemeClr>
-            </a:solidFill>
-          </a:ln>
-        </p:spPr>
-        <p:style>
-          <a:lnRef idx="2">
-            <a:schemeClr val="accent1">
-              <a:shade val="50000"/>
-            </a:schemeClr>
-          </a:lnRef>
-          <a:fillRef idx="1">
-            <a:schemeClr val="accent1"/>
-          </a:fillRef>
-          <a:effectRef idx="0">
-            <a:schemeClr val="accent1"/>
-          </a:effectRef>
-          <a:fontRef idx="minor">
-            <a:schemeClr val="lt1"/>
-          </a:fontRef>
-        </p:style>
-        <p:txBody>
-          <a:bodyPr lIns="0" tIns="0" rIns="0" bIns="0" rtlCol="0" anchor="ctr"/>
-          <a:lstStyle/>
-          <a:p>
-            <a:pPr algn="ctr"/>
-            <a:r>
-              <a:rPr lang="en-US" sz="1000" dirty="0" smtClean="0">
-                <a:solidFill>
-                  <a:schemeClr val="tx1"/>
+          <p:cNvPr id="22" name="文字方塊 21"/>
+          <p:cNvSpPr txBox="1"/>
+          <p:nvPr/>
+        </p:nvSpPr>
+        <p:spPr>
+          <a:xfrm>
+            <a:off x="5791200" y="6324600"/>
+            <a:ext cx="359394" cy="523220"/>
+          </a:xfrm>
+          <a:prstGeom prst="rect">
+            <a:avLst/>
+          </a:prstGeom>
+          <a:noFill/>
+        </p:spPr>
+        <p:txBody>
+          <a:bodyPr wrap="none" rtlCol="0">
+            <a:spAutoFit/>
+          </a:bodyPr>
+          <a:lstStyle/>
+          <a:p>
+            <a:r>
+              <a:rPr lang="en-US" altLang="zh-TW" sz="2800" dirty="0" smtClean="0">
+                <a:solidFill>
+                  <a:srgbClr val="FF0000"/>
                 </a:solidFill>
               </a:rPr>
-              <a:t>0</a:t>
-            </a:r>
-            <a:endParaRPr lang="en-US" sz="1000" dirty="0">
-              <a:solidFill>
-                <a:schemeClr val="tx1"/>
+              <a:t>E</a:t>
+            </a:r>
+            <a:endParaRPr lang="zh-TW" altLang="en-US" sz="2800" dirty="0">
+              <a:solidFill>
+                <a:srgbClr val="FF0000"/>
               </a:solidFill>
             </a:endParaRPr>
           </a:p>
@@ -3353,61 +3306,37 @@
       </p:sp>
       <p:sp>
         <p:nvSpPr>
-          <p:cNvPr id="200" name="Rectangle 199"/>
-          <p:cNvSpPr/>
-          <p:nvPr/>
-        </p:nvSpPr>
-        <p:spPr>
-          <a:xfrm>
-            <a:off x="1968049" y="236220"/>
-            <a:ext cx="203651" cy="212416"/>
-          </a:xfrm>
-          <a:prstGeom prst="rect">
-            <a:avLst/>
-          </a:prstGeom>
-          <a:solidFill>
-            <a:schemeClr val="bg1"/>
-          </a:solidFill>
-          <a:ln>
-            <a:solidFill>
-              <a:schemeClr val="tx2">
-                <a:lumMod val="50000"/>
-              </a:schemeClr>
-            </a:solidFill>
-          </a:ln>
-        </p:spPr>
-        <p:style>
-          <a:lnRef idx="2">
-            <a:schemeClr val="accent1">
-              <a:shade val="50000"/>
-            </a:schemeClr>
-          </a:lnRef>
-          <a:fillRef idx="1">
-            <a:schemeClr val="accent1"/>
-          </a:fillRef>
-          <a:effectRef idx="0">
-            <a:schemeClr val="accent1"/>
-          </a:effectRef>
-          <a:fontRef idx="minor">
-            <a:schemeClr val="lt1"/>
-          </a:fontRef>
-        </p:style>
-        <p:txBody>
-          <a:bodyPr lIns="0" tIns="0" rIns="0" bIns="0" rtlCol="0" anchor="ctr"/>
-          <a:lstStyle/>
-          <a:p>
-            <a:pPr algn="ctr"/>
-            <a:r>
-              <a:rPr lang="en-US" sz="1000" dirty="0" smtClean="0">
-                <a:solidFill>
-                  <a:schemeClr val="tx1"/>
+          <p:cNvPr id="23" name="文字方塊 22"/>
+          <p:cNvSpPr txBox="1"/>
+          <p:nvPr/>
+        </p:nvSpPr>
+        <p:spPr>
+          <a:xfrm>
+            <a:off x="7623464" y="6477000"/>
+            <a:ext cx="359394" cy="523220"/>
+          </a:xfrm>
+          <a:prstGeom prst="rect">
+            <a:avLst/>
+          </a:prstGeom>
+          <a:noFill/>
+        </p:spPr>
+        <p:txBody>
+          <a:bodyPr wrap="none" rtlCol="0">
+            <a:spAutoFit/>
+          </a:bodyPr>
+          <a:lstStyle/>
+          <a:p>
+            <a:r>
+              <a:rPr lang="en-US" altLang="zh-TW" sz="2800" dirty="0" smtClean="0">
+                <a:solidFill>
+                  <a:srgbClr val="FF0000"/>
                 </a:solidFill>
               </a:rPr>
-              <a:t>4</a:t>
-            </a:r>
-            <a:endParaRPr lang="en-US" sz="1000" dirty="0">
-              <a:solidFill>
-                <a:schemeClr val="tx1"/>
+              <a:t>F</a:t>
+            </a:r>
+            <a:endParaRPr lang="zh-TW" altLang="en-US" sz="2800" dirty="0">
+              <a:solidFill>
+                <a:srgbClr val="FF0000"/>
               </a:solidFill>
             </a:endParaRPr>
           </a:p>
@@ -3415,61 +3344,37 @@
       </p:sp>
       <p:sp>
         <p:nvSpPr>
-          <p:cNvPr id="202" name="Rectangle 201"/>
-          <p:cNvSpPr/>
-          <p:nvPr/>
-        </p:nvSpPr>
-        <p:spPr>
-          <a:xfrm>
-            <a:off x="1965960" y="458144"/>
-            <a:ext cx="203651" cy="212416"/>
-          </a:xfrm>
-          <a:prstGeom prst="rect">
-            <a:avLst/>
-          </a:prstGeom>
-          <a:solidFill>
-            <a:schemeClr val="bg1"/>
-          </a:solidFill>
-          <a:ln>
-            <a:solidFill>
-              <a:schemeClr val="tx2">
-                <a:lumMod val="50000"/>
-              </a:schemeClr>
-            </a:solidFill>
-          </a:ln>
-        </p:spPr>
-        <p:style>
-          <a:lnRef idx="2">
-            <a:schemeClr val="accent1">
-              <a:shade val="50000"/>
-            </a:schemeClr>
-          </a:lnRef>
-          <a:fillRef idx="1">
-            <a:schemeClr val="accent1"/>
-          </a:fillRef>
-          <a:effectRef idx="0">
-            <a:schemeClr val="accent1"/>
-          </a:effectRef>
-          <a:fontRef idx="minor">
-            <a:schemeClr val="lt1"/>
-          </a:fontRef>
-        </p:style>
-        <p:txBody>
-          <a:bodyPr lIns="0" tIns="0" rIns="0" bIns="0" rtlCol="0" anchor="ctr"/>
-          <a:lstStyle/>
-          <a:p>
-            <a:pPr algn="ctr"/>
-            <a:r>
-              <a:rPr lang="en-US" sz="1000" dirty="0" smtClean="0">
-                <a:solidFill>
-                  <a:schemeClr val="tx1"/>
+          <p:cNvPr id="24" name="文字方塊 23"/>
+          <p:cNvSpPr txBox="1"/>
+          <p:nvPr/>
+        </p:nvSpPr>
+        <p:spPr>
+          <a:xfrm>
+            <a:off x="6858000" y="4702276"/>
+            <a:ext cx="405880" cy="523220"/>
+          </a:xfrm>
+          <a:prstGeom prst="rect">
+            <a:avLst/>
+          </a:prstGeom>
+          <a:noFill/>
+        </p:spPr>
+        <p:txBody>
+          <a:bodyPr wrap="none" rtlCol="0">
+            <a:spAutoFit/>
+          </a:bodyPr>
+          <a:lstStyle/>
+          <a:p>
+            <a:r>
+              <a:rPr lang="en-US" altLang="zh-TW" sz="2800" dirty="0" smtClean="0">
+                <a:solidFill>
+                  <a:srgbClr val="FF0000"/>
                 </a:solidFill>
               </a:rPr>
-              <a:t>4</a:t>
-            </a:r>
-            <a:endParaRPr lang="en-US" sz="1000" dirty="0">
-              <a:solidFill>
-                <a:schemeClr val="tx1"/>
+              <a:t>D</a:t>
+            </a:r>
+            <a:endParaRPr lang="zh-TW" altLang="en-US" sz="2800" dirty="0">
+              <a:solidFill>
+                <a:srgbClr val="FF0000"/>
               </a:solidFill>
             </a:endParaRPr>
           </a:p>
@@ -3477,61 +3382,37 @@
       </p:sp>
       <p:sp>
         <p:nvSpPr>
-          <p:cNvPr id="203" name="Rectangle 202"/>
-          <p:cNvSpPr/>
-          <p:nvPr/>
-        </p:nvSpPr>
-        <p:spPr>
-          <a:xfrm>
-            <a:off x="1965960" y="686744"/>
-            <a:ext cx="203651" cy="212416"/>
-          </a:xfrm>
-          <a:prstGeom prst="rect">
-            <a:avLst/>
-          </a:prstGeom>
-          <a:solidFill>
-            <a:schemeClr val="bg1"/>
-          </a:solidFill>
-          <a:ln>
-            <a:solidFill>
-              <a:schemeClr val="tx2">
-                <a:lumMod val="50000"/>
-              </a:schemeClr>
-            </a:solidFill>
-          </a:ln>
-        </p:spPr>
-        <p:style>
-          <a:lnRef idx="2">
-            <a:schemeClr val="accent1">
-              <a:shade val="50000"/>
-            </a:schemeClr>
-          </a:lnRef>
-          <a:fillRef idx="1">
-            <a:schemeClr val="accent1"/>
-          </a:fillRef>
-          <a:effectRef idx="0">
-            <a:schemeClr val="accent1"/>
-          </a:effectRef>
-          <a:fontRef idx="minor">
-            <a:schemeClr val="lt1"/>
-          </a:fontRef>
-        </p:style>
-        <p:txBody>
-          <a:bodyPr lIns="0" tIns="0" rIns="0" bIns="0" rtlCol="0" anchor="ctr"/>
-          <a:lstStyle/>
-          <a:p>
-            <a:pPr algn="ctr"/>
-            <a:r>
-              <a:rPr lang="en-US" sz="1000" dirty="0" smtClean="0">
-                <a:solidFill>
-                  <a:schemeClr val="tx1"/>
+          <p:cNvPr id="25" name="文字方塊 24"/>
+          <p:cNvSpPr txBox="1"/>
+          <p:nvPr/>
+        </p:nvSpPr>
+        <p:spPr>
+          <a:xfrm>
+            <a:off x="7528626" y="7639604"/>
+            <a:ext cx="410690" cy="523220"/>
+          </a:xfrm>
+          <a:prstGeom prst="rect">
+            <a:avLst/>
+          </a:prstGeom>
+          <a:noFill/>
+        </p:spPr>
+        <p:txBody>
+          <a:bodyPr wrap="none" rtlCol="0">
+            <a:spAutoFit/>
+          </a:bodyPr>
+          <a:lstStyle/>
+          <a:p>
+            <a:r>
+              <a:rPr lang="en-US" altLang="zh-TW" sz="2800" dirty="0" smtClean="0">
+                <a:solidFill>
+                  <a:srgbClr val="FF0000"/>
                 </a:solidFill>
               </a:rPr>
-              <a:t>4</a:t>
-            </a:r>
-            <a:endParaRPr lang="en-US" sz="1000" dirty="0">
-              <a:solidFill>
-                <a:schemeClr val="tx1"/>
+              <a:t>G</a:t>
+            </a:r>
+            <a:endParaRPr lang="zh-TW" altLang="en-US" sz="2800" dirty="0">
+              <a:solidFill>
+                <a:srgbClr val="FF0000"/>
               </a:solidFill>
             </a:endParaRPr>
           </a:p>
@@ -3539,62 +3420,37 @@
       </p:sp>
       <p:sp>
         <p:nvSpPr>
-          <p:cNvPr id="205" name="Rectangle 204"/>
-          <p:cNvSpPr/>
-          <p:nvPr/>
-        </p:nvSpPr>
-        <p:spPr>
-          <a:xfrm>
-            <a:off x="1524000" y="686744"/>
-            <a:ext cx="203651" cy="212416"/>
-          </a:xfrm>
-          <a:prstGeom prst="rect">
-            <a:avLst/>
-          </a:prstGeom>
-          <a:solidFill>
-            <a:schemeClr val="bg1"/>
-          </a:solidFill>
-          <a:ln>
-            <a:solidFill>
-              <a:schemeClr val="tx2">
-                <a:lumMod val="40000"/>
-                <a:lumOff val="60000"/>
-              </a:schemeClr>
-            </a:solidFill>
-          </a:ln>
-        </p:spPr>
-        <p:style>
-          <a:lnRef idx="2">
-            <a:schemeClr val="accent1">
-              <a:shade val="50000"/>
-            </a:schemeClr>
-          </a:lnRef>
-          <a:fillRef idx="1">
-            <a:schemeClr val="accent1"/>
-          </a:fillRef>
-          <a:effectRef idx="0">
-            <a:schemeClr val="accent1"/>
-          </a:effectRef>
-          <a:fontRef idx="minor">
-            <a:schemeClr val="lt1"/>
-          </a:fontRef>
-        </p:style>
-        <p:txBody>
-          <a:bodyPr lIns="0" tIns="0" rIns="0" bIns="0" rtlCol="0" anchor="ctr"/>
-          <a:lstStyle/>
-          <a:p>
-            <a:pPr algn="ctr"/>
-            <a:r>
-              <a:rPr lang="en-US" sz="1000" dirty="0" smtClean="0">
-                <a:solidFill>
-                  <a:schemeClr val="tx1"/>
+          <p:cNvPr id="26" name="文字方塊 25"/>
+          <p:cNvSpPr txBox="1"/>
+          <p:nvPr/>
+        </p:nvSpPr>
+        <p:spPr>
+          <a:xfrm>
+            <a:off x="3810000" y="6062990"/>
+            <a:ext cx="409086" cy="523220"/>
+          </a:xfrm>
+          <a:prstGeom prst="rect">
+            <a:avLst/>
+          </a:prstGeom>
+          <a:noFill/>
+        </p:spPr>
+        <p:txBody>
+          <a:bodyPr wrap="none" rtlCol="0">
+            <a:spAutoFit/>
+          </a:bodyPr>
+          <a:lstStyle/>
+          <a:p>
+            <a:r>
+              <a:rPr lang="en-US" altLang="zh-TW" sz="2800" dirty="0" smtClean="0">
+                <a:solidFill>
+                  <a:srgbClr val="FF0000"/>
                 </a:solidFill>
               </a:rPr>
-              <a:t>2</a:t>
-            </a:r>
-            <a:endParaRPr lang="en-US" sz="1000" dirty="0">
-              <a:solidFill>
-                <a:schemeClr val="tx1"/>
+              <a:t>H</a:t>
+            </a:r>
+            <a:endParaRPr lang="zh-TW" altLang="en-US" sz="2800" dirty="0">
+              <a:solidFill>
+                <a:srgbClr val="FF0000"/>
               </a:solidFill>
             </a:endParaRPr>
           </a:p>
@@ -3602,62 +3458,37 @@
       </p:sp>
       <p:sp>
         <p:nvSpPr>
-          <p:cNvPr id="207" name="Rectangle 206"/>
-          <p:cNvSpPr/>
-          <p:nvPr/>
-        </p:nvSpPr>
-        <p:spPr>
-          <a:xfrm>
-            <a:off x="1524000" y="915344"/>
-            <a:ext cx="203651" cy="212416"/>
-          </a:xfrm>
-          <a:prstGeom prst="rect">
-            <a:avLst/>
-          </a:prstGeom>
-          <a:solidFill>
-            <a:schemeClr val="bg1"/>
-          </a:solidFill>
-          <a:ln>
-            <a:solidFill>
-              <a:schemeClr val="tx2">
-                <a:lumMod val="40000"/>
-                <a:lumOff val="60000"/>
-              </a:schemeClr>
-            </a:solidFill>
-          </a:ln>
-        </p:spPr>
-        <p:style>
-          <a:lnRef idx="2">
-            <a:schemeClr val="accent1">
-              <a:shade val="50000"/>
-            </a:schemeClr>
-          </a:lnRef>
-          <a:fillRef idx="1">
-            <a:schemeClr val="accent1"/>
-          </a:fillRef>
-          <a:effectRef idx="0">
-            <a:schemeClr val="accent1"/>
-          </a:effectRef>
-          <a:fontRef idx="minor">
-            <a:schemeClr val="lt1"/>
-          </a:fontRef>
-        </p:style>
-        <p:txBody>
-          <a:bodyPr lIns="0" tIns="0" rIns="0" bIns="0" rtlCol="0" anchor="ctr"/>
-          <a:lstStyle/>
-          <a:p>
-            <a:pPr algn="ctr"/>
-            <a:r>
-              <a:rPr lang="en-US" sz="1000" dirty="0" smtClean="0">
-                <a:solidFill>
-                  <a:schemeClr val="tx1"/>
+          <p:cNvPr id="27" name="文字方塊 26"/>
+          <p:cNvSpPr txBox="1"/>
+          <p:nvPr/>
+        </p:nvSpPr>
+        <p:spPr>
+          <a:xfrm>
+            <a:off x="2468766" y="6096000"/>
+            <a:ext cx="274434" cy="523220"/>
+          </a:xfrm>
+          <a:prstGeom prst="rect">
+            <a:avLst/>
+          </a:prstGeom>
+          <a:noFill/>
+        </p:spPr>
+        <p:txBody>
+          <a:bodyPr wrap="none" rtlCol="0">
+            <a:spAutoFit/>
+          </a:bodyPr>
+          <a:lstStyle/>
+          <a:p>
+            <a:r>
+              <a:rPr lang="en-US" altLang="zh-TW" sz="2800" dirty="0" smtClean="0">
+                <a:solidFill>
+                  <a:srgbClr val="FF0000"/>
                 </a:solidFill>
               </a:rPr>
-              <a:t>2</a:t>
-            </a:r>
-            <a:endParaRPr lang="en-US" sz="1000" dirty="0">
-              <a:solidFill>
-                <a:schemeClr val="tx1"/>
+              <a:t>I</a:t>
+            </a:r>
+            <a:endParaRPr lang="zh-TW" altLang="en-US" sz="2800" dirty="0">
+              <a:solidFill>
+                <a:srgbClr val="FF0000"/>
               </a:solidFill>
             </a:endParaRPr>
           </a:p>
@@ -3665,62 +3496,37 @@
       </p:sp>
       <p:sp>
         <p:nvSpPr>
-          <p:cNvPr id="208" name="Rectangle 207"/>
-          <p:cNvSpPr/>
-          <p:nvPr/>
-        </p:nvSpPr>
-        <p:spPr>
-          <a:xfrm>
-            <a:off x="2189029" y="236220"/>
-            <a:ext cx="203651" cy="212416"/>
-          </a:xfrm>
-          <a:prstGeom prst="rect">
-            <a:avLst/>
-          </a:prstGeom>
-          <a:solidFill>
-            <a:schemeClr val="bg1"/>
-          </a:solidFill>
-          <a:ln>
-            <a:solidFill>
-              <a:schemeClr val="tx2">
-                <a:lumMod val="40000"/>
-                <a:lumOff val="60000"/>
-              </a:schemeClr>
-            </a:solidFill>
-          </a:ln>
-        </p:spPr>
-        <p:style>
-          <a:lnRef idx="2">
-            <a:schemeClr val="accent1">
-              <a:shade val="50000"/>
-            </a:schemeClr>
-          </a:lnRef>
-          <a:fillRef idx="1">
-            <a:schemeClr val="accent1"/>
-          </a:fillRef>
-          <a:effectRef idx="0">
-            <a:schemeClr val="accent1"/>
-          </a:effectRef>
-          <a:fontRef idx="minor">
-            <a:schemeClr val="lt1"/>
-          </a:fontRef>
-        </p:style>
-        <p:txBody>
-          <a:bodyPr lIns="0" tIns="0" rIns="0" bIns="0" rtlCol="0" anchor="ctr"/>
-          <a:lstStyle/>
-          <a:p>
-            <a:pPr algn="ctr"/>
-            <a:r>
-              <a:rPr lang="en-US" sz="1000" dirty="0" smtClean="0">
-                <a:solidFill>
-                  <a:schemeClr val="tx1"/>
+          <p:cNvPr id="28" name="文字方塊 27"/>
+          <p:cNvSpPr txBox="1"/>
+          <p:nvPr/>
+        </p:nvSpPr>
+        <p:spPr>
+          <a:xfrm>
+            <a:off x="3149600" y="7368922"/>
+            <a:ext cx="298480" cy="523220"/>
+          </a:xfrm>
+          <a:prstGeom prst="rect">
+            <a:avLst/>
+          </a:prstGeom>
+          <a:noFill/>
+        </p:spPr>
+        <p:txBody>
+          <a:bodyPr wrap="none" rtlCol="0">
+            <a:spAutoFit/>
+          </a:bodyPr>
+          <a:lstStyle/>
+          <a:p>
+            <a:r>
+              <a:rPr lang="en-US" altLang="zh-TW" sz="2800" dirty="0" smtClean="0">
+                <a:solidFill>
+                  <a:srgbClr val="FF0000"/>
                 </a:solidFill>
               </a:rPr>
-              <a:t>2</a:t>
-            </a:r>
-            <a:endParaRPr lang="en-US" sz="1000" dirty="0">
-              <a:solidFill>
-                <a:schemeClr val="tx1"/>
+              <a:t>J</a:t>
+            </a:r>
+            <a:endParaRPr lang="zh-TW" altLang="en-US" sz="2800" dirty="0">
+              <a:solidFill>
+                <a:srgbClr val="FF0000"/>
               </a:solidFill>
             </a:endParaRPr>
           </a:p>
@@ -3728,62 +3534,37 @@
       </p:sp>
       <p:sp>
         <p:nvSpPr>
-          <p:cNvPr id="209" name="Rectangle 208"/>
-          <p:cNvSpPr/>
-          <p:nvPr/>
-        </p:nvSpPr>
-        <p:spPr>
-          <a:xfrm>
-            <a:off x="2186940" y="694364"/>
-            <a:ext cx="203651" cy="212416"/>
-          </a:xfrm>
-          <a:prstGeom prst="rect">
-            <a:avLst/>
-          </a:prstGeom>
-          <a:solidFill>
-            <a:schemeClr val="bg1"/>
-          </a:solidFill>
-          <a:ln>
-            <a:solidFill>
-              <a:schemeClr val="tx2">
-                <a:lumMod val="60000"/>
-                <a:lumOff val="40000"/>
-              </a:schemeClr>
-            </a:solidFill>
-          </a:ln>
-        </p:spPr>
-        <p:style>
-          <a:lnRef idx="2">
-            <a:schemeClr val="accent1">
-              <a:shade val="50000"/>
-            </a:schemeClr>
-          </a:lnRef>
-          <a:fillRef idx="1">
-            <a:schemeClr val="accent1"/>
-          </a:fillRef>
-          <a:effectRef idx="0">
-            <a:schemeClr val="accent1"/>
-          </a:effectRef>
-          <a:fontRef idx="minor">
-            <a:schemeClr val="lt1"/>
-          </a:fontRef>
-        </p:style>
-        <p:txBody>
-          <a:bodyPr lIns="0" tIns="0" rIns="0" bIns="0" rtlCol="0" anchor="ctr"/>
-          <a:lstStyle/>
-          <a:p>
-            <a:pPr algn="ctr"/>
-            <a:r>
-              <a:rPr lang="en-US" sz="1000" dirty="0" smtClean="0">
-                <a:solidFill>
-                  <a:schemeClr val="tx1"/>
+          <p:cNvPr id="29" name="文字方塊 28"/>
+          <p:cNvSpPr txBox="1"/>
+          <p:nvPr/>
+        </p:nvSpPr>
+        <p:spPr>
+          <a:xfrm>
+            <a:off x="3113533" y="8077200"/>
+            <a:ext cx="370614" cy="523220"/>
+          </a:xfrm>
+          <a:prstGeom prst="rect">
+            <a:avLst/>
+          </a:prstGeom>
+          <a:noFill/>
+        </p:spPr>
+        <p:txBody>
+          <a:bodyPr wrap="none" rtlCol="0">
+            <a:spAutoFit/>
+          </a:bodyPr>
+          <a:lstStyle/>
+          <a:p>
+            <a:r>
+              <a:rPr lang="en-US" altLang="zh-TW" sz="2800" dirty="0" smtClean="0">
+                <a:solidFill>
+                  <a:srgbClr val="FF0000"/>
                 </a:solidFill>
               </a:rPr>
-              <a:t>3</a:t>
-            </a:r>
-            <a:endParaRPr lang="en-US" sz="1000" dirty="0">
-              <a:solidFill>
-                <a:schemeClr val="tx1"/>
+              <a:t>K</a:t>
+            </a:r>
+            <a:endParaRPr lang="zh-TW" altLang="en-US" sz="2800" dirty="0">
+              <a:solidFill>
+                <a:srgbClr val="FF0000"/>
               </a:solidFill>
             </a:endParaRPr>
           </a:p>
@@ -3791,61 +3572,37 @@
       </p:sp>
       <p:sp>
         <p:nvSpPr>
-          <p:cNvPr id="210" name="Rectangle 209"/>
-          <p:cNvSpPr/>
-          <p:nvPr/>
-        </p:nvSpPr>
-        <p:spPr>
-          <a:xfrm>
-            <a:off x="1965960" y="915344"/>
-            <a:ext cx="203651" cy="212416"/>
-          </a:xfrm>
-          <a:prstGeom prst="rect">
-            <a:avLst/>
-          </a:prstGeom>
-          <a:solidFill>
-            <a:schemeClr val="bg1"/>
-          </a:solidFill>
-          <a:ln>
-            <a:solidFill>
-              <a:schemeClr val="tx2">
-                <a:lumMod val="50000"/>
-              </a:schemeClr>
-            </a:solidFill>
-          </a:ln>
-        </p:spPr>
-        <p:style>
-          <a:lnRef idx="2">
-            <a:schemeClr val="accent1">
-              <a:shade val="50000"/>
-            </a:schemeClr>
-          </a:lnRef>
-          <a:fillRef idx="1">
-            <a:schemeClr val="accent1"/>
-          </a:fillRef>
-          <a:effectRef idx="0">
-            <a:schemeClr val="accent1"/>
-          </a:effectRef>
-          <a:fontRef idx="minor">
-            <a:schemeClr val="lt1"/>
-          </a:fontRef>
-        </p:style>
-        <p:txBody>
-          <a:bodyPr lIns="0" tIns="0" rIns="0" bIns="0" rtlCol="0" anchor="ctr"/>
-          <a:lstStyle/>
-          <a:p>
-            <a:pPr algn="ctr"/>
-            <a:r>
-              <a:rPr lang="en-US" sz="1000" dirty="0" smtClean="0">
-                <a:solidFill>
-                  <a:schemeClr val="tx1"/>
+          <p:cNvPr id="30" name="文字方塊 29"/>
+          <p:cNvSpPr txBox="1"/>
+          <p:nvPr/>
+        </p:nvSpPr>
+        <p:spPr>
+          <a:xfrm>
+            <a:off x="1752600" y="9525000"/>
+            <a:ext cx="335348" cy="523220"/>
+          </a:xfrm>
+          <a:prstGeom prst="rect">
+            <a:avLst/>
+          </a:prstGeom>
+          <a:noFill/>
+        </p:spPr>
+        <p:txBody>
+          <a:bodyPr wrap="none" rtlCol="0">
+            <a:spAutoFit/>
+          </a:bodyPr>
+          <a:lstStyle/>
+          <a:p>
+            <a:r>
+              <a:rPr lang="en-US" altLang="zh-TW" sz="2800" dirty="0" smtClean="0">
+                <a:solidFill>
+                  <a:srgbClr val="FF0000"/>
                 </a:solidFill>
               </a:rPr>
-              <a:t>4</a:t>
-            </a:r>
-            <a:endParaRPr lang="en-US" sz="1000" dirty="0">
-              <a:solidFill>
-                <a:schemeClr val="tx1"/>
+              <a:t>L</a:t>
+            </a:r>
+            <a:endParaRPr lang="zh-TW" altLang="en-US" sz="2800" dirty="0">
+              <a:solidFill>
+                <a:srgbClr val="FF0000"/>
               </a:solidFill>
             </a:endParaRPr>
           </a:p>
@@ -3853,61 +3610,37 @@
       </p:sp>
       <p:sp>
         <p:nvSpPr>
-          <p:cNvPr id="211" name="Rectangle 210"/>
-          <p:cNvSpPr/>
-          <p:nvPr/>
-        </p:nvSpPr>
-        <p:spPr>
-          <a:xfrm>
-            <a:off x="2186940" y="457200"/>
-            <a:ext cx="203651" cy="212416"/>
-          </a:xfrm>
-          <a:prstGeom prst="rect">
-            <a:avLst/>
-          </a:prstGeom>
-          <a:solidFill>
-            <a:schemeClr val="bg1"/>
-          </a:solidFill>
-          <a:ln>
-            <a:solidFill>
-              <a:schemeClr val="tx2">
-                <a:lumMod val="50000"/>
-              </a:schemeClr>
-            </a:solidFill>
-          </a:ln>
-        </p:spPr>
-        <p:style>
-          <a:lnRef idx="2">
-            <a:schemeClr val="accent1">
-              <a:shade val="50000"/>
-            </a:schemeClr>
-          </a:lnRef>
-          <a:fillRef idx="1">
-            <a:schemeClr val="accent1"/>
-          </a:fillRef>
-          <a:effectRef idx="0">
-            <a:schemeClr val="accent1"/>
-          </a:effectRef>
-          <a:fontRef idx="minor">
-            <a:schemeClr val="lt1"/>
-          </a:fontRef>
-        </p:style>
-        <p:txBody>
-          <a:bodyPr lIns="0" tIns="0" rIns="0" bIns="0" rtlCol="0" anchor="ctr"/>
-          <a:lstStyle/>
-          <a:p>
-            <a:pPr algn="ctr"/>
-            <a:r>
-              <a:rPr lang="en-US" sz="1000" dirty="0" smtClean="0">
-                <a:solidFill>
-                  <a:schemeClr val="tx1"/>
+          <p:cNvPr id="31" name="文字方塊 30"/>
+          <p:cNvSpPr txBox="1"/>
+          <p:nvPr/>
+        </p:nvSpPr>
+        <p:spPr>
+          <a:xfrm>
+            <a:off x="4308157" y="8686800"/>
+            <a:ext cx="492443" cy="523220"/>
+          </a:xfrm>
+          <a:prstGeom prst="rect">
+            <a:avLst/>
+          </a:prstGeom>
+          <a:noFill/>
+        </p:spPr>
+        <p:txBody>
+          <a:bodyPr wrap="none" rtlCol="0">
+            <a:spAutoFit/>
+          </a:bodyPr>
+          <a:lstStyle/>
+          <a:p>
+            <a:r>
+              <a:rPr lang="en-US" altLang="zh-TW" sz="2800" dirty="0" smtClean="0">
+                <a:solidFill>
+                  <a:srgbClr val="FF0000"/>
                 </a:solidFill>
               </a:rPr>
-              <a:t>4</a:t>
-            </a:r>
-            <a:endParaRPr lang="en-US" sz="1000" dirty="0">
-              <a:solidFill>
-                <a:schemeClr val="tx1"/>
+              <a:t>M</a:t>
+            </a:r>
+            <a:endParaRPr lang="zh-TW" altLang="en-US" sz="2800" dirty="0">
+              <a:solidFill>
+                <a:srgbClr val="FF0000"/>
               </a:solidFill>
             </a:endParaRPr>
           </a:p>
@@ -3915,62 +3648,37 @@
       </p:sp>
       <p:sp>
         <p:nvSpPr>
-          <p:cNvPr id="213" name="Rectangle 212"/>
-          <p:cNvSpPr/>
-          <p:nvPr/>
-        </p:nvSpPr>
-        <p:spPr>
-          <a:xfrm>
-            <a:off x="2186940" y="915344"/>
-            <a:ext cx="203651" cy="212416"/>
-          </a:xfrm>
-          <a:prstGeom prst="rect">
-            <a:avLst/>
-          </a:prstGeom>
-          <a:solidFill>
-            <a:schemeClr val="bg1"/>
-          </a:solidFill>
-          <a:ln>
-            <a:solidFill>
-              <a:schemeClr val="tx2">
-                <a:lumMod val="60000"/>
-                <a:lumOff val="40000"/>
-              </a:schemeClr>
-            </a:solidFill>
-          </a:ln>
-        </p:spPr>
-        <p:style>
-          <a:lnRef idx="2">
-            <a:schemeClr val="accent1">
-              <a:shade val="50000"/>
-            </a:schemeClr>
-          </a:lnRef>
-          <a:fillRef idx="1">
-            <a:schemeClr val="accent1"/>
-          </a:fillRef>
-          <a:effectRef idx="0">
-            <a:schemeClr val="accent1"/>
-          </a:effectRef>
-          <a:fontRef idx="minor">
-            <a:schemeClr val="lt1"/>
-          </a:fontRef>
-        </p:style>
-        <p:txBody>
-          <a:bodyPr lIns="0" tIns="0" rIns="0" bIns="0" rtlCol="0" anchor="ctr"/>
-          <a:lstStyle/>
-          <a:p>
-            <a:pPr algn="ctr"/>
-            <a:r>
-              <a:rPr lang="en-US" sz="1000" dirty="0" smtClean="0">
-                <a:solidFill>
-                  <a:schemeClr val="tx1"/>
+          <p:cNvPr id="32" name="文字方塊 31"/>
+          <p:cNvSpPr txBox="1"/>
+          <p:nvPr/>
+        </p:nvSpPr>
+        <p:spPr>
+          <a:xfrm>
+            <a:off x="5374098" y="8686800"/>
+            <a:ext cx="417102" cy="523220"/>
+          </a:xfrm>
+          <a:prstGeom prst="rect">
+            <a:avLst/>
+          </a:prstGeom>
+          <a:noFill/>
+        </p:spPr>
+        <p:txBody>
+          <a:bodyPr wrap="none" rtlCol="0">
+            <a:spAutoFit/>
+          </a:bodyPr>
+          <a:lstStyle/>
+          <a:p>
+            <a:r>
+              <a:rPr lang="en-US" altLang="zh-TW" sz="2800" dirty="0" smtClean="0">
+                <a:solidFill>
+                  <a:srgbClr val="FF0000"/>
                 </a:solidFill>
               </a:rPr>
-              <a:t>3</a:t>
-            </a:r>
-            <a:endParaRPr lang="en-US" sz="1000" dirty="0">
-              <a:solidFill>
-                <a:schemeClr val="tx1"/>
+              <a:t>N</a:t>
+            </a:r>
+            <a:endParaRPr lang="zh-TW" altLang="en-US" sz="2800" dirty="0">
+              <a:solidFill>
+                <a:srgbClr val="FF0000"/>
               </a:solidFill>
             </a:endParaRPr>
           </a:p>
@@ -3978,62 +3686,37 @@
       </p:sp>
       <p:sp>
         <p:nvSpPr>
-          <p:cNvPr id="214" name="Rectangle 213"/>
-          <p:cNvSpPr/>
-          <p:nvPr/>
-        </p:nvSpPr>
-        <p:spPr>
-          <a:xfrm>
-            <a:off x="1744980" y="687070"/>
-            <a:ext cx="203651" cy="212416"/>
-          </a:xfrm>
-          <a:prstGeom prst="rect">
-            <a:avLst/>
-          </a:prstGeom>
-          <a:solidFill>
-            <a:schemeClr val="bg1"/>
-          </a:solidFill>
-          <a:ln>
-            <a:solidFill>
-              <a:schemeClr val="tx2">
-                <a:lumMod val="60000"/>
-                <a:lumOff val="40000"/>
-              </a:schemeClr>
-            </a:solidFill>
-          </a:ln>
-        </p:spPr>
-        <p:style>
-          <a:lnRef idx="2">
-            <a:schemeClr val="accent1">
-              <a:shade val="50000"/>
-            </a:schemeClr>
-          </a:lnRef>
-          <a:fillRef idx="1">
-            <a:schemeClr val="accent1"/>
-          </a:fillRef>
-          <a:effectRef idx="0">
-            <a:schemeClr val="accent1"/>
-          </a:effectRef>
-          <a:fontRef idx="minor">
-            <a:schemeClr val="lt1"/>
-          </a:fontRef>
-        </p:style>
-        <p:txBody>
-          <a:bodyPr lIns="0" tIns="0" rIns="0" bIns="0" rtlCol="0" anchor="ctr"/>
-          <a:lstStyle/>
-          <a:p>
-            <a:pPr algn="ctr"/>
-            <a:r>
-              <a:rPr lang="en-US" sz="1000" dirty="0" smtClean="0">
-                <a:solidFill>
-                  <a:schemeClr val="tx1"/>
+          <p:cNvPr id="33" name="文字方塊 32"/>
+          <p:cNvSpPr txBox="1"/>
+          <p:nvPr/>
+        </p:nvSpPr>
+        <p:spPr>
+          <a:xfrm>
+            <a:off x="7201554" y="8600420"/>
+            <a:ext cx="421910" cy="523220"/>
+          </a:xfrm>
+          <a:prstGeom prst="rect">
+            <a:avLst/>
+          </a:prstGeom>
+          <a:noFill/>
+        </p:spPr>
+        <p:txBody>
+          <a:bodyPr wrap="none" rtlCol="0">
+            <a:spAutoFit/>
+          </a:bodyPr>
+          <a:lstStyle/>
+          <a:p>
+            <a:r>
+              <a:rPr lang="en-US" altLang="zh-TW" sz="2800" dirty="0" smtClean="0">
+                <a:solidFill>
+                  <a:srgbClr val="FF0000"/>
                 </a:solidFill>
               </a:rPr>
-              <a:t>3</a:t>
-            </a:r>
-            <a:endParaRPr lang="en-US" sz="1000" dirty="0">
-              <a:solidFill>
-                <a:schemeClr val="tx1"/>
+              <a:t>O</a:t>
+            </a:r>
+            <a:endParaRPr lang="zh-TW" altLang="en-US" sz="2800" dirty="0">
+              <a:solidFill>
+                <a:srgbClr val="FF0000"/>
               </a:solidFill>
             </a:endParaRPr>
           </a:p>
@@ -4041,62 +3724,37 @@
       </p:sp>
       <p:sp>
         <p:nvSpPr>
-          <p:cNvPr id="215" name="Rectangle 214"/>
-          <p:cNvSpPr/>
-          <p:nvPr/>
-        </p:nvSpPr>
-        <p:spPr>
-          <a:xfrm>
-            <a:off x="1744980" y="920750"/>
-            <a:ext cx="203651" cy="212416"/>
-          </a:xfrm>
-          <a:prstGeom prst="rect">
-            <a:avLst/>
-          </a:prstGeom>
-          <a:solidFill>
-            <a:schemeClr val="bg1"/>
-          </a:solidFill>
-          <a:ln>
-            <a:solidFill>
-              <a:schemeClr val="tx2">
-                <a:lumMod val="60000"/>
-                <a:lumOff val="40000"/>
-              </a:schemeClr>
-            </a:solidFill>
-          </a:ln>
-        </p:spPr>
-        <p:style>
-          <a:lnRef idx="2">
-            <a:schemeClr val="accent1">
-              <a:shade val="50000"/>
-            </a:schemeClr>
-          </a:lnRef>
-          <a:fillRef idx="1">
-            <a:schemeClr val="accent1"/>
-          </a:fillRef>
-          <a:effectRef idx="0">
-            <a:schemeClr val="accent1"/>
-          </a:effectRef>
-          <a:fontRef idx="minor">
-            <a:schemeClr val="lt1"/>
-          </a:fontRef>
-        </p:style>
-        <p:txBody>
-          <a:bodyPr lIns="0" tIns="0" rIns="0" bIns="0" rtlCol="0" anchor="ctr"/>
-          <a:lstStyle/>
-          <a:p>
-            <a:pPr algn="ctr"/>
-            <a:r>
-              <a:rPr lang="en-US" sz="1000" dirty="0" smtClean="0">
-                <a:solidFill>
-                  <a:schemeClr val="tx1"/>
+          <p:cNvPr id="34" name="文字方塊 33"/>
+          <p:cNvSpPr txBox="1"/>
+          <p:nvPr/>
+        </p:nvSpPr>
+        <p:spPr>
+          <a:xfrm>
+            <a:off x="914400" y="7368922"/>
+            <a:ext cx="352982" cy="523220"/>
+          </a:xfrm>
+          <a:prstGeom prst="rect">
+            <a:avLst/>
+          </a:prstGeom>
+          <a:noFill/>
+        </p:spPr>
+        <p:txBody>
+          <a:bodyPr wrap="none" rtlCol="0">
+            <a:spAutoFit/>
+          </a:bodyPr>
+          <a:lstStyle/>
+          <a:p>
+            <a:r>
+              <a:rPr lang="en-US" altLang="zh-TW" sz="2800" dirty="0" smtClean="0">
+                <a:solidFill>
+                  <a:srgbClr val="FF0000"/>
                 </a:solidFill>
               </a:rPr>
-              <a:t>3</a:t>
-            </a:r>
-            <a:endParaRPr lang="en-US" sz="1000" dirty="0">
-              <a:solidFill>
-                <a:schemeClr val="tx1"/>
+              <a:t>Z</a:t>
+            </a:r>
+            <a:endParaRPr lang="zh-TW" altLang="en-US" sz="2800" dirty="0">
+              <a:solidFill>
+                <a:srgbClr val="FF0000"/>
               </a:solidFill>
             </a:endParaRPr>
           </a:p>
